--- a/materials/slides/ch20.pptx
+++ b/materials/slides/ch20.pptx
@@ -2076,8 +2076,8 @@
         </p:nvSpPr>
         <p:spPr bwMode="auto">
           <a:xfrm>
-            <a:off x="4474845" y="4128135"/>
-            <a:ext cx="6833235" cy="583565"/>
+            <a:off x="4008755" y="4128135"/>
+            <a:ext cx="7299325" cy="583565"/>
           </a:xfrm>
           <a:prstGeom prst="rect">
             <a:avLst/>
@@ -2110,7 +2110,7 @@
             </a:r>
             <a:r>
               <a:rPr lang="zh-CN" altLang="en-US" dirty="0"/>
-              <a:t>物理引擎</a:t>
+              <a:t>物理引擎及动画系统</a:t>
             </a:r>
             <a:endParaRPr lang="zh-CN" altLang="en-US" dirty="0"/>
           </a:p>

--- a/materials/slides/ch20.pptx
+++ b/materials/slides/ch20.pptx
@@ -9,7 +9,11 @@
   </p:notesMasterIdLst>
   <p:sldIdLst>
     <p:sldId id="1152" r:id="rId3"/>
-    <p:sldId id="1153" r:id="rId5"/>
+    <p:sldId id="1154" r:id="rId5"/>
+    <p:sldId id="1156" r:id="rId6"/>
+    <p:sldId id="1155" r:id="rId7"/>
+    <p:sldId id="1157" r:id="rId8"/>
+    <p:sldId id="1153" r:id="rId9"/>
   </p:sldIdLst>
   <p:sldSz cx="12192000" cy="6858000"/>
   <p:notesSz cx="6797675" cy="9928225"/>
@@ -2109,8 +2113,20 @@
               <a:t>Cocos Creator </a:t>
             </a:r>
             <a:r>
+              <a:rPr lang="zh-CN" altLang="en-US" dirty="0">
+                <a:sym typeface="+mn-ea"/>
+              </a:rPr>
+              <a:t>动画系统</a:t>
+            </a:r>
+            <a:r>
               <a:rPr lang="zh-CN" altLang="en-US" dirty="0"/>
-              <a:t>物理引擎及动画系统</a:t>
+              <a:t>及</a:t>
+            </a:r>
+            <a:r>
+              <a:rPr lang="zh-CN" altLang="en-US" dirty="0">
+                <a:sym typeface="+mn-ea"/>
+              </a:rPr>
+              <a:t>物理系统</a:t>
             </a:r>
             <a:endParaRPr lang="zh-CN" altLang="en-US" dirty="0"/>
           </a:p>
@@ -2187,6 +2203,1812 @@
 </file>
 
 <file path=ppt/slides/slide2.xml><?xml version="1.0" encoding="utf-8"?>
+<p:sld xmlns:a="http://schemas.openxmlformats.org/drawingml/2006/main" xmlns:r="http://schemas.openxmlformats.org/officeDocument/2006/relationships" xmlns:p="http://schemas.openxmlformats.org/presentationml/2006/main">
+  <p:cSld>
+    <p:spTree>
+      <p:nvGrpSpPr>
+        <p:cNvPr id="1" name=""/>
+        <p:cNvGrpSpPr/>
+        <p:nvPr/>
+      </p:nvGrpSpPr>
+      <p:grpSpPr>
+        <a:xfrm>
+          <a:off x="0" y="0"/>
+          <a:ext cx="0" cy="0"/>
+          <a:chOff x="0" y="0"/>
+          <a:chExt cx="0" cy="0"/>
+        </a:xfrm>
+      </p:grpSpPr>
+      <p:sp>
+        <p:nvSpPr>
+          <p:cNvPr id="3" name="内容占位符 2"/>
+          <p:cNvSpPr>
+            <a:spLocks noGrp="1"/>
+          </p:cNvSpPr>
+          <p:nvPr/>
+        </p:nvSpPr>
+        <p:spPr>
+          <a:xfrm>
+            <a:off x="947204" y="236943"/>
+            <a:ext cx="8191557" cy="490476"/>
+          </a:xfrm>
+          <a:prstGeom prst="rect">
+            <a:avLst/>
+          </a:prstGeom>
+        </p:spPr>
+        <p:txBody>
+          <a:bodyPr/>
+          <a:lstStyle>
+            <a:lvl1pPr marL="167005" indent="-167005" algn="l" defTabSz="0" rtl="0" eaLnBrk="0" fontAlgn="base" hangingPunct="0">
+              <a:spcBef>
+                <a:spcPct val="0"/>
+              </a:spcBef>
+              <a:spcAft>
+                <a:spcPct val="15000"/>
+              </a:spcAft>
+              <a:buClr>
+                <a:schemeClr val="tx2"/>
+              </a:buClr>
+              <a:buFont typeface="Arial" panose="020B0604020202020204" pitchFamily="34" charset="0"/>
+              <a:buNone/>
+              <a:defRPr sz="3200" b="0">
+                <a:solidFill>
+                  <a:srgbClr val="C00000"/>
+                </a:solidFill>
+                <a:latin typeface="微软雅黑" panose="020B0503020204020204" pitchFamily="34" charset="-122"/>
+                <a:ea typeface="微软雅黑" panose="020B0503020204020204" pitchFamily="34" charset="-122"/>
+                <a:cs typeface="+mn-cs"/>
+              </a:defRPr>
+            </a:lvl1pPr>
+            <a:lvl2pPr marL="398780" indent="-230505" algn="l" defTabSz="0" rtl="0" eaLnBrk="0" fontAlgn="base" hangingPunct="0">
+              <a:spcBef>
+                <a:spcPct val="0"/>
+              </a:spcBef>
+              <a:spcAft>
+                <a:spcPct val="15000"/>
+              </a:spcAft>
+              <a:buClr>
+                <a:schemeClr val="tx2"/>
+              </a:buClr>
+              <a:buFont typeface="Arial" panose="020B0604020202020204" pitchFamily="34" charset="0"/>
+              <a:buChar char="–"/>
+              <a:defRPr sz="2000">
+                <a:solidFill>
+                  <a:schemeClr val="tx1"/>
+                </a:solidFill>
+                <a:latin typeface="微软雅黑" panose="020B0503020204020204" pitchFamily="34" charset="-122"/>
+                <a:ea typeface="微软雅黑" panose="020B0503020204020204" pitchFamily="34" charset="-122"/>
+              </a:defRPr>
+            </a:lvl2pPr>
+            <a:lvl3pPr marL="400050" indent="182880" algn="l" defTabSz="0" rtl="0" eaLnBrk="0" fontAlgn="base" hangingPunct="0">
+              <a:spcBef>
+                <a:spcPct val="0"/>
+              </a:spcBef>
+              <a:spcAft>
+                <a:spcPct val="15000"/>
+              </a:spcAft>
+              <a:buClr>
+                <a:schemeClr val="tx2"/>
+              </a:buClr>
+              <a:buFont typeface="Arial" panose="020B0604020202020204" pitchFamily="34" charset="0"/>
+              <a:buChar char="•"/>
+              <a:defRPr sz="1600">
+                <a:solidFill>
+                  <a:schemeClr val="tx1"/>
+                </a:solidFill>
+                <a:latin typeface="微软雅黑" panose="020B0503020204020204" pitchFamily="34" charset="-122"/>
+                <a:ea typeface="微软雅黑" panose="020B0503020204020204" pitchFamily="34" charset="-122"/>
+              </a:defRPr>
+            </a:lvl3pPr>
+            <a:lvl4pPr marL="825500" indent="-241300" algn="l" defTabSz="0" rtl="0" eaLnBrk="0" fontAlgn="base" hangingPunct="0">
+              <a:spcBef>
+                <a:spcPct val="0"/>
+              </a:spcBef>
+              <a:spcAft>
+                <a:spcPct val="15000"/>
+              </a:spcAft>
+              <a:buClr>
+                <a:schemeClr val="tx2"/>
+              </a:buClr>
+              <a:buFont typeface="Arial" panose="020B0604020202020204" pitchFamily="34" charset="0"/>
+              <a:buChar char="–"/>
+              <a:defRPr sz="1600">
+                <a:solidFill>
+                  <a:schemeClr val="tx1"/>
+                </a:solidFill>
+                <a:latin typeface="微软雅黑" panose="020B0503020204020204" pitchFamily="34" charset="-122"/>
+                <a:ea typeface="微软雅黑" panose="020B0503020204020204" pitchFamily="34" charset="-122"/>
+              </a:defRPr>
+            </a:lvl4pPr>
+            <a:lvl5pPr marL="2057400" indent="-228600" algn="l" defTabSz="0" rtl="0" eaLnBrk="0" fontAlgn="base" hangingPunct="0">
+              <a:spcBef>
+                <a:spcPct val="0"/>
+              </a:spcBef>
+              <a:spcAft>
+                <a:spcPct val="25000"/>
+              </a:spcAft>
+              <a:buClr>
+                <a:schemeClr val="tx2"/>
+              </a:buClr>
+              <a:buFont typeface="Arial" panose="020B0604020202020204" pitchFamily="34" charset="0"/>
+              <a:buChar char="–"/>
+              <a:defRPr sz="2000">
+                <a:solidFill>
+                  <a:schemeClr val="tx1"/>
+                </a:solidFill>
+                <a:latin typeface="+mn-lt"/>
+                <a:ea typeface="微软雅黑" panose="020B0503020204020204" pitchFamily="34" charset="-122"/>
+              </a:defRPr>
+            </a:lvl5pPr>
+            <a:lvl6pPr marL="2514600" indent="-228600" algn="l" defTabSz="0" rtl="0" eaLnBrk="0" fontAlgn="base" hangingPunct="0">
+              <a:spcBef>
+                <a:spcPct val="0"/>
+              </a:spcBef>
+              <a:spcAft>
+                <a:spcPct val="25000"/>
+              </a:spcAft>
+              <a:buClr>
+                <a:schemeClr val="tx2"/>
+              </a:buClr>
+              <a:buFont typeface="Arial" panose="020B0604020202020204" pitchFamily="34" charset="0"/>
+              <a:buChar char="–"/>
+              <a:defRPr>
+                <a:solidFill>
+                  <a:schemeClr val="tx1"/>
+                </a:solidFill>
+                <a:latin typeface="+mn-lt"/>
+              </a:defRPr>
+            </a:lvl6pPr>
+            <a:lvl7pPr marL="2971800" indent="-228600" algn="l" defTabSz="0" rtl="0" eaLnBrk="0" fontAlgn="base" hangingPunct="0">
+              <a:spcBef>
+                <a:spcPct val="0"/>
+              </a:spcBef>
+              <a:spcAft>
+                <a:spcPct val="25000"/>
+              </a:spcAft>
+              <a:buClr>
+                <a:schemeClr val="tx2"/>
+              </a:buClr>
+              <a:buFont typeface="Arial" panose="020B0604020202020204" pitchFamily="34" charset="0"/>
+              <a:buChar char="–"/>
+              <a:defRPr>
+                <a:solidFill>
+                  <a:schemeClr val="tx1"/>
+                </a:solidFill>
+                <a:latin typeface="+mn-lt"/>
+              </a:defRPr>
+            </a:lvl7pPr>
+            <a:lvl8pPr marL="3429000" indent="-228600" algn="l" defTabSz="0" rtl="0" eaLnBrk="0" fontAlgn="base" hangingPunct="0">
+              <a:spcBef>
+                <a:spcPct val="0"/>
+              </a:spcBef>
+              <a:spcAft>
+                <a:spcPct val="25000"/>
+              </a:spcAft>
+              <a:buClr>
+                <a:schemeClr val="tx2"/>
+              </a:buClr>
+              <a:buFont typeface="Arial" panose="020B0604020202020204" pitchFamily="34" charset="0"/>
+              <a:buChar char="–"/>
+              <a:defRPr>
+                <a:solidFill>
+                  <a:schemeClr val="tx1"/>
+                </a:solidFill>
+                <a:latin typeface="+mn-lt"/>
+              </a:defRPr>
+            </a:lvl8pPr>
+            <a:lvl9pPr marL="3886200" indent="-228600" algn="l" defTabSz="0" rtl="0" eaLnBrk="0" fontAlgn="base" hangingPunct="0">
+              <a:spcBef>
+                <a:spcPct val="0"/>
+              </a:spcBef>
+              <a:spcAft>
+                <a:spcPct val="25000"/>
+              </a:spcAft>
+              <a:buClr>
+                <a:schemeClr val="tx2"/>
+              </a:buClr>
+              <a:buFont typeface="Arial" panose="020B0604020202020204" pitchFamily="34" charset="0"/>
+              <a:buChar char="–"/>
+              <a:defRPr>
+                <a:solidFill>
+                  <a:schemeClr val="tx1"/>
+                </a:solidFill>
+                <a:latin typeface="+mn-lt"/>
+              </a:defRPr>
+            </a:lvl9pPr>
+          </a:lstStyle>
+          <a:p>
+            <a:r>
+              <a:rPr lang="zh-CN" dirty="0" smtClean="0"/>
+              <a:t>内容刚要</a:t>
+            </a:r>
+            <a:endParaRPr lang="zh-CN" dirty="0" smtClean="0"/>
+          </a:p>
+        </p:txBody>
+      </p:sp>
+      <p:sp>
+        <p:nvSpPr>
+          <p:cNvPr id="4" name="AutoShape 6"/>
+          <p:cNvSpPr>
+            <a:spLocks noChangeArrowheads="1"/>
+          </p:cNvSpPr>
+          <p:nvPr/>
+        </p:nvSpPr>
+        <p:spPr bwMode="auto">
+          <a:xfrm>
+            <a:off x="2739708" y="1261111"/>
+            <a:ext cx="6711950" cy="4214813"/>
+          </a:xfrm>
+          <a:prstGeom prst="roundRect">
+            <a:avLst>
+              <a:gd name="adj" fmla="val 16667"/>
+            </a:avLst>
+          </a:prstGeom>
+          <a:noFill/>
+          <a:ln w="28575">
+            <a:solidFill>
+              <a:srgbClr val="C0C0C0"/>
+            </a:solidFill>
+            <a:prstDash val="sysDot"/>
+            <a:round/>
+          </a:ln>
+          <a:extLst>
+            <a:ext uri="{909E8E84-426E-40DD-AFC4-6F175D3DCCD1}">
+              <a14:hiddenFill xmlns:a14="http://schemas.microsoft.com/office/drawing/2010/main">
+                <a:solidFill>
+                  <a:srgbClr val="FFFFFF"/>
+                </a:solidFill>
+              </a14:hiddenFill>
+            </a:ext>
+          </a:extLst>
+        </p:spPr>
+        <p:txBody>
+          <a:bodyPr wrap="none" anchor="ctr"/>
+          <a:lstStyle>
+            <a:lvl1pPr marL="457200" indent="-457200">
+              <a:defRPr sz="3200">
+                <a:solidFill>
+                  <a:schemeClr val="tx1"/>
+                </a:solidFill>
+                <a:latin typeface="Arial" panose="020B0604020202020204" pitchFamily="34" charset="0"/>
+                <a:ea typeface="微软雅黑" panose="020B0503020204020204" pitchFamily="34" charset="-122"/>
+              </a:defRPr>
+            </a:lvl1pPr>
+            <a:lvl2pPr marL="742950" indent="-285750">
+              <a:defRPr sz="3200">
+                <a:solidFill>
+                  <a:schemeClr val="tx1"/>
+                </a:solidFill>
+                <a:latin typeface="Arial" panose="020B0604020202020204" pitchFamily="34" charset="0"/>
+                <a:ea typeface="微软雅黑" panose="020B0503020204020204" pitchFamily="34" charset="-122"/>
+              </a:defRPr>
+            </a:lvl2pPr>
+            <a:lvl3pPr marL="1143000" indent="-228600">
+              <a:defRPr sz="3200">
+                <a:solidFill>
+                  <a:schemeClr val="tx1"/>
+                </a:solidFill>
+                <a:latin typeface="Arial" panose="020B0604020202020204" pitchFamily="34" charset="0"/>
+                <a:ea typeface="微软雅黑" panose="020B0503020204020204" pitchFamily="34" charset="-122"/>
+              </a:defRPr>
+            </a:lvl3pPr>
+            <a:lvl4pPr marL="1600200" indent="-228600">
+              <a:defRPr sz="3200">
+                <a:solidFill>
+                  <a:schemeClr val="tx1"/>
+                </a:solidFill>
+                <a:latin typeface="Arial" panose="020B0604020202020204" pitchFamily="34" charset="0"/>
+                <a:ea typeface="微软雅黑" panose="020B0503020204020204" pitchFamily="34" charset="-122"/>
+              </a:defRPr>
+            </a:lvl4pPr>
+            <a:lvl5pPr marL="2057400" indent="-228600">
+              <a:defRPr sz="3200">
+                <a:solidFill>
+                  <a:schemeClr val="tx1"/>
+                </a:solidFill>
+                <a:latin typeface="Arial" panose="020B0604020202020204" pitchFamily="34" charset="0"/>
+                <a:ea typeface="微软雅黑" panose="020B0503020204020204" pitchFamily="34" charset="-122"/>
+              </a:defRPr>
+            </a:lvl5pPr>
+            <a:lvl6pPr marL="2514600" indent="-228600" eaLnBrk="0" fontAlgn="base" hangingPunct="0">
+              <a:spcBef>
+                <a:spcPct val="0"/>
+              </a:spcBef>
+              <a:spcAft>
+                <a:spcPct val="0"/>
+              </a:spcAft>
+              <a:defRPr sz="3200">
+                <a:solidFill>
+                  <a:schemeClr val="tx1"/>
+                </a:solidFill>
+                <a:latin typeface="Arial" panose="020B0604020202020204" pitchFamily="34" charset="0"/>
+                <a:ea typeface="微软雅黑" panose="020B0503020204020204" pitchFamily="34" charset="-122"/>
+              </a:defRPr>
+            </a:lvl6pPr>
+            <a:lvl7pPr marL="2971800" indent="-228600" eaLnBrk="0" fontAlgn="base" hangingPunct="0">
+              <a:spcBef>
+                <a:spcPct val="0"/>
+              </a:spcBef>
+              <a:spcAft>
+                <a:spcPct val="0"/>
+              </a:spcAft>
+              <a:defRPr sz="3200">
+                <a:solidFill>
+                  <a:schemeClr val="tx1"/>
+                </a:solidFill>
+                <a:latin typeface="Arial" panose="020B0604020202020204" pitchFamily="34" charset="0"/>
+                <a:ea typeface="微软雅黑" panose="020B0503020204020204" pitchFamily="34" charset="-122"/>
+              </a:defRPr>
+            </a:lvl7pPr>
+            <a:lvl8pPr marL="3429000" indent="-228600" eaLnBrk="0" fontAlgn="base" hangingPunct="0">
+              <a:spcBef>
+                <a:spcPct val="0"/>
+              </a:spcBef>
+              <a:spcAft>
+                <a:spcPct val="0"/>
+              </a:spcAft>
+              <a:defRPr sz="3200">
+                <a:solidFill>
+                  <a:schemeClr val="tx1"/>
+                </a:solidFill>
+                <a:latin typeface="Arial" panose="020B0604020202020204" pitchFamily="34" charset="0"/>
+                <a:ea typeface="微软雅黑" panose="020B0503020204020204" pitchFamily="34" charset="-122"/>
+              </a:defRPr>
+            </a:lvl8pPr>
+            <a:lvl9pPr marL="3886200" indent="-228600" eaLnBrk="0" fontAlgn="base" hangingPunct="0">
+              <a:spcBef>
+                <a:spcPct val="0"/>
+              </a:spcBef>
+              <a:spcAft>
+                <a:spcPct val="0"/>
+              </a:spcAft>
+              <a:defRPr sz="3200">
+                <a:solidFill>
+                  <a:schemeClr val="tx1"/>
+                </a:solidFill>
+                <a:latin typeface="Arial" panose="020B0604020202020204" pitchFamily="34" charset="0"/>
+                <a:ea typeface="微软雅黑" panose="020B0503020204020204" pitchFamily="34" charset="-122"/>
+              </a:defRPr>
+            </a:lvl9pPr>
+          </a:lstStyle>
+          <a:p>
+            <a:pPr algn="l">
+              <a:lnSpc>
+                <a:spcPct val="150000"/>
+              </a:lnSpc>
+              <a:spcBef>
+                <a:spcPts val="1200"/>
+              </a:spcBef>
+              <a:spcAft>
+                <a:spcPts val="1200"/>
+              </a:spcAft>
+              <a:buClr>
+                <a:srgbClr val="92D050"/>
+              </a:buClr>
+              <a:buFont typeface="Wingdings" panose="05000000000000000000" pitchFamily="2" charset="2"/>
+              <a:buChar char="Ø"/>
+            </a:pPr>
+            <a:r>
+              <a:rPr lang="zh-CN" altLang="en-US" sz="2800" b="1">
+                <a:solidFill>
+                  <a:schemeClr val="accent3"/>
+                </a:solidFill>
+                <a:sym typeface="+mn-ea"/>
+              </a:rPr>
+              <a:t>Cocos Creator 动画系统</a:t>
+            </a:r>
+            <a:endParaRPr lang="zh-CN" altLang="en-US" sz="2800" b="1">
+              <a:solidFill>
+                <a:schemeClr val="tx1"/>
+              </a:solidFill>
+              <a:sym typeface="+mn-ea"/>
+            </a:endParaRPr>
+          </a:p>
+          <a:p>
+            <a:pPr algn="l">
+              <a:lnSpc>
+                <a:spcPct val="150000"/>
+              </a:lnSpc>
+              <a:spcBef>
+                <a:spcPts val="1200"/>
+              </a:spcBef>
+              <a:spcAft>
+                <a:spcPts val="1200"/>
+              </a:spcAft>
+              <a:buClr>
+                <a:srgbClr val="92D050"/>
+              </a:buClr>
+              <a:buFont typeface="Wingdings" panose="05000000000000000000" pitchFamily="2" charset="2"/>
+              <a:buChar char="Ø"/>
+            </a:pPr>
+            <a:r>
+              <a:rPr lang="zh-CN" altLang="en-US" sz="2800" b="1">
+                <a:sym typeface="+mn-ea"/>
+              </a:rPr>
+              <a:t>Cocos Creator 物理系统</a:t>
+            </a:r>
+            <a:endParaRPr lang="zh-CN" altLang="en-US" sz="2800" b="1">
+              <a:solidFill>
+                <a:schemeClr val="accent3"/>
+              </a:solidFill>
+              <a:sym typeface="+mn-ea"/>
+            </a:endParaRPr>
+          </a:p>
+        </p:txBody>
+      </p:sp>
+    </p:spTree>
+  </p:cSld>
+  <p:clrMapOvr>
+    <a:masterClrMapping/>
+  </p:clrMapOvr>
+  <p:timing>
+    <p:tnLst>
+      <p:par>
+        <p:cTn id="1" dur="indefinite" restart="never" nodeType="tmRoot"/>
+      </p:par>
+    </p:tnLst>
+  </p:timing>
+</p:sld>
+</file>
+
+<file path=ppt/slides/slide3.xml><?xml version="1.0" encoding="utf-8"?>
+<p:sld xmlns:a="http://schemas.openxmlformats.org/drawingml/2006/main" xmlns:r="http://schemas.openxmlformats.org/officeDocument/2006/relationships" xmlns:p="http://schemas.openxmlformats.org/presentationml/2006/main">
+  <p:cSld>
+    <p:spTree>
+      <p:nvGrpSpPr>
+        <p:cNvPr id="1" name=""/>
+        <p:cNvGrpSpPr/>
+        <p:nvPr/>
+      </p:nvGrpSpPr>
+      <p:grpSpPr>
+        <a:xfrm>
+          <a:off x="0" y="0"/>
+          <a:ext cx="0" cy="0"/>
+          <a:chOff x="0" y="0"/>
+          <a:chExt cx="0" cy="0"/>
+        </a:xfrm>
+      </p:grpSpPr>
+      <p:sp>
+        <p:nvSpPr>
+          <p:cNvPr id="2" name="内容占位符 1"/>
+          <p:cNvSpPr>
+            <a:spLocks noGrp="1"/>
+          </p:cNvSpPr>
+          <p:nvPr>
+            <p:ph sz="quarter" idx="11"/>
+          </p:nvPr>
+        </p:nvSpPr>
+        <p:spPr>
+          <a:xfrm>
+            <a:off x="947420" y="236855"/>
+            <a:ext cx="8415655" cy="490220"/>
+          </a:xfrm>
+        </p:spPr>
+        <p:txBody>
+          <a:bodyPr/>
+          <a:p>
+            <a:r>
+              <a:rPr lang="zh-CN" altLang="en-US" dirty="0">
+                <a:sym typeface="+mn-ea"/>
+              </a:rPr>
+              <a:t>Cocos Creator 动画系统</a:t>
+            </a:r>
+            <a:endParaRPr kumimoji="0" lang="zh-CN" altLang="en-US" dirty="0"/>
+          </a:p>
+        </p:txBody>
+      </p:sp>
+      <p:sp>
+        <p:nvSpPr>
+          <p:cNvPr id="3" name="文本框 2"/>
+          <p:cNvSpPr txBox="1"/>
+          <p:nvPr/>
+        </p:nvSpPr>
+        <p:spPr>
+          <a:xfrm>
+            <a:off x="4994910" y="6075045"/>
+            <a:ext cx="7028815" cy="398780"/>
+          </a:xfrm>
+          <a:prstGeom prst="rect">
+            <a:avLst/>
+          </a:prstGeom>
+          <a:noFill/>
+        </p:spPr>
+        <p:txBody>
+          <a:bodyPr wrap="square" rtlCol="0">
+            <a:spAutoFit/>
+          </a:bodyPr>
+          <a:p>
+            <a:r>
+              <a:rPr lang="zh-CN" altLang="en-US" sz="2000"/>
+              <a:t>https://docs.cocos.com/creator/manual/zh/animation/</a:t>
+            </a:r>
+            <a:endParaRPr lang="zh-CN" altLang="en-US" sz="2000"/>
+          </a:p>
+        </p:txBody>
+      </p:sp>
+      <p:pic>
+        <p:nvPicPr>
+          <p:cNvPr id="4" name="内容占位符 3"/>
+          <p:cNvPicPr>
+            <a:picLocks noChangeAspect="1"/>
+          </p:cNvPicPr>
+          <p:nvPr>
+            <p:ph idx="1"/>
+          </p:nvPr>
+        </p:nvPicPr>
+        <p:blipFill>
+          <a:blip r:embed="rId1"/>
+          <a:stretch>
+            <a:fillRect/>
+          </a:stretch>
+        </p:blipFill>
+        <p:spPr>
+          <a:xfrm>
+            <a:off x="1875790" y="901700"/>
+            <a:ext cx="8260715" cy="5142230"/>
+          </a:xfrm>
+          <a:prstGeom prst="rect">
+            <a:avLst/>
+          </a:prstGeom>
+        </p:spPr>
+      </p:pic>
+    </p:spTree>
+  </p:cSld>
+  <p:clrMapOvr>
+    <a:masterClrMapping/>
+  </p:clrMapOvr>
+  <p:timing>
+    <p:tnLst>
+      <p:par>
+        <p:cTn id="1" dur="indefinite" restart="never" nodeType="tmRoot">
+          <p:childTnLst>
+            <p:seq concurrent="1" nextAc="seek">
+              <p:cTn id="2" dur="indefinite" nodeType="mainSeq">
+                <p:childTnLst>
+                  <p:par>
+                    <p:cTn id="3" fill="hold">
+                      <p:stCondLst>
+                        <p:cond delay="indefinite"/>
+                      </p:stCondLst>
+                      <p:childTnLst>
+                        <p:par>
+                          <p:cTn id="4" fill="hold">
+                            <p:stCondLst>
+                              <p:cond delay="0"/>
+                            </p:stCondLst>
+                            <p:childTnLst>
+                              <p:par>
+                                <p:cTn id="5" presetID="2" presetClass="entr" presetSubtype="4" fill="hold" grpId="0" nodeType="clickEffect">
+                                  <p:stCondLst>
+                                    <p:cond delay="0"/>
+                                  </p:stCondLst>
+                                  <p:childTnLst>
+                                    <p:set>
+                                      <p:cBhvr>
+                                        <p:cTn id="6" dur="1" fill="hold">
+                                          <p:stCondLst>
+                                            <p:cond delay="0"/>
+                                          </p:stCondLst>
+                                        </p:cTn>
+                                        <p:tgtEl>
+                                          <p:spTgt spid="3"/>
+                                        </p:tgtEl>
+                                        <p:attrNameLst>
+                                          <p:attrName>style.visibility</p:attrName>
+                                        </p:attrNameLst>
+                                      </p:cBhvr>
+                                      <p:to>
+                                        <p:strVal val="visible"/>
+                                      </p:to>
+                                    </p:set>
+                                    <p:anim calcmode="lin" valueType="num">
+                                      <p:cBhvr additive="base">
+                                        <p:cTn id="7" dur="500" fill="hold"/>
+                                        <p:tgtEl>
+                                          <p:spTgt spid="3"/>
+                                        </p:tgtEl>
+                                        <p:attrNameLst>
+                                          <p:attrName>ppt_x</p:attrName>
+                                        </p:attrNameLst>
+                                      </p:cBhvr>
+                                      <p:tavLst>
+                                        <p:tav tm="0">
+                                          <p:val>
+                                            <p:strVal val="#ppt_x"/>
+                                          </p:val>
+                                        </p:tav>
+                                        <p:tav tm="100000">
+                                          <p:val>
+                                            <p:strVal val="#ppt_x"/>
+                                          </p:val>
+                                        </p:tav>
+                                      </p:tavLst>
+                                    </p:anim>
+                                    <p:anim calcmode="lin" valueType="num">
+                                      <p:cBhvr additive="base">
+                                        <p:cTn id="8" dur="500" fill="hold"/>
+                                        <p:tgtEl>
+                                          <p:spTgt spid="3"/>
+                                        </p:tgtEl>
+                                        <p:attrNameLst>
+                                          <p:attrName>ppt_y</p:attrName>
+                                        </p:attrNameLst>
+                                      </p:cBhvr>
+                                      <p:tavLst>
+                                        <p:tav tm="0">
+                                          <p:val>
+                                            <p:strVal val="1+#ppt_h/2"/>
+                                          </p:val>
+                                        </p:tav>
+                                        <p:tav tm="100000">
+                                          <p:val>
+                                            <p:strVal val="#ppt_y"/>
+                                          </p:val>
+                                        </p:tav>
+                                      </p:tavLst>
+                                    </p:anim>
+                                  </p:childTnLst>
+                                </p:cTn>
+                              </p:par>
+                            </p:childTnLst>
+                          </p:cTn>
+                        </p:par>
+                      </p:childTnLst>
+                    </p:cTn>
+                  </p:par>
+                </p:childTnLst>
+              </p:cTn>
+              <p:prevCondLst>
+                <p:cond evt="onPrev" delay="0">
+                  <p:tgtEl>
+                    <p:sldTgt/>
+                  </p:tgtEl>
+                </p:cond>
+              </p:prevCondLst>
+              <p:nextCondLst>
+                <p:cond evt="onNext" delay="0">
+                  <p:tgtEl>
+                    <p:sldTgt/>
+                  </p:tgtEl>
+                </p:cond>
+              </p:nextCondLst>
+            </p:seq>
+          </p:childTnLst>
+        </p:cTn>
+      </p:par>
+    </p:tnLst>
+    <p:bldLst>
+      <p:bldP spid="3" grpId="0"/>
+    </p:bldLst>
+  </p:timing>
+</p:sld>
+</file>
+
+<file path=ppt/slides/slide4.xml><?xml version="1.0" encoding="utf-8"?>
+<p:sld xmlns:a="http://schemas.openxmlformats.org/drawingml/2006/main" xmlns:r="http://schemas.openxmlformats.org/officeDocument/2006/relationships" xmlns:p="http://schemas.openxmlformats.org/presentationml/2006/main">
+  <p:cSld>
+    <p:spTree>
+      <p:nvGrpSpPr>
+        <p:cNvPr id="1" name=""/>
+        <p:cNvGrpSpPr/>
+        <p:nvPr/>
+      </p:nvGrpSpPr>
+      <p:grpSpPr>
+        <a:xfrm>
+          <a:off x="0" y="0"/>
+          <a:ext cx="0" cy="0"/>
+          <a:chOff x="0" y="0"/>
+          <a:chExt cx="0" cy="0"/>
+        </a:xfrm>
+      </p:grpSpPr>
+      <p:sp>
+        <p:nvSpPr>
+          <p:cNvPr id="3" name="内容占位符 2"/>
+          <p:cNvSpPr>
+            <a:spLocks noGrp="1"/>
+          </p:cNvSpPr>
+          <p:nvPr/>
+        </p:nvSpPr>
+        <p:spPr>
+          <a:xfrm>
+            <a:off x="947204" y="236943"/>
+            <a:ext cx="8191557" cy="490476"/>
+          </a:xfrm>
+          <a:prstGeom prst="rect">
+            <a:avLst/>
+          </a:prstGeom>
+        </p:spPr>
+        <p:txBody>
+          <a:bodyPr/>
+          <a:lstStyle>
+            <a:lvl1pPr marL="167005" indent="-167005" algn="l" defTabSz="0" rtl="0" eaLnBrk="0" fontAlgn="base" hangingPunct="0">
+              <a:spcBef>
+                <a:spcPct val="0"/>
+              </a:spcBef>
+              <a:spcAft>
+                <a:spcPct val="15000"/>
+              </a:spcAft>
+              <a:buClr>
+                <a:schemeClr val="tx2"/>
+              </a:buClr>
+              <a:buFont typeface="Arial" panose="020B0604020202020204" pitchFamily="34" charset="0"/>
+              <a:buNone/>
+              <a:defRPr sz="3200" b="0">
+                <a:solidFill>
+                  <a:srgbClr val="C00000"/>
+                </a:solidFill>
+                <a:latin typeface="微软雅黑" panose="020B0503020204020204" pitchFamily="34" charset="-122"/>
+                <a:ea typeface="微软雅黑" panose="020B0503020204020204" pitchFamily="34" charset="-122"/>
+                <a:cs typeface="+mn-cs"/>
+              </a:defRPr>
+            </a:lvl1pPr>
+            <a:lvl2pPr marL="398780" indent="-230505" algn="l" defTabSz="0" rtl="0" eaLnBrk="0" fontAlgn="base" hangingPunct="0">
+              <a:spcBef>
+                <a:spcPct val="0"/>
+              </a:spcBef>
+              <a:spcAft>
+                <a:spcPct val="15000"/>
+              </a:spcAft>
+              <a:buClr>
+                <a:schemeClr val="tx2"/>
+              </a:buClr>
+              <a:buFont typeface="Arial" panose="020B0604020202020204" pitchFamily="34" charset="0"/>
+              <a:buChar char="–"/>
+              <a:defRPr sz="2000">
+                <a:solidFill>
+                  <a:schemeClr val="tx1"/>
+                </a:solidFill>
+                <a:latin typeface="微软雅黑" panose="020B0503020204020204" pitchFamily="34" charset="-122"/>
+                <a:ea typeface="微软雅黑" panose="020B0503020204020204" pitchFamily="34" charset="-122"/>
+              </a:defRPr>
+            </a:lvl2pPr>
+            <a:lvl3pPr marL="400050" indent="182880" algn="l" defTabSz="0" rtl="0" eaLnBrk="0" fontAlgn="base" hangingPunct="0">
+              <a:spcBef>
+                <a:spcPct val="0"/>
+              </a:spcBef>
+              <a:spcAft>
+                <a:spcPct val="15000"/>
+              </a:spcAft>
+              <a:buClr>
+                <a:schemeClr val="tx2"/>
+              </a:buClr>
+              <a:buFont typeface="Arial" panose="020B0604020202020204" pitchFamily="34" charset="0"/>
+              <a:buChar char="•"/>
+              <a:defRPr sz="1600">
+                <a:solidFill>
+                  <a:schemeClr val="tx1"/>
+                </a:solidFill>
+                <a:latin typeface="微软雅黑" panose="020B0503020204020204" pitchFamily="34" charset="-122"/>
+                <a:ea typeface="微软雅黑" panose="020B0503020204020204" pitchFamily="34" charset="-122"/>
+              </a:defRPr>
+            </a:lvl3pPr>
+            <a:lvl4pPr marL="825500" indent="-241300" algn="l" defTabSz="0" rtl="0" eaLnBrk="0" fontAlgn="base" hangingPunct="0">
+              <a:spcBef>
+                <a:spcPct val="0"/>
+              </a:spcBef>
+              <a:spcAft>
+                <a:spcPct val="15000"/>
+              </a:spcAft>
+              <a:buClr>
+                <a:schemeClr val="tx2"/>
+              </a:buClr>
+              <a:buFont typeface="Arial" panose="020B0604020202020204" pitchFamily="34" charset="0"/>
+              <a:buChar char="–"/>
+              <a:defRPr sz="1600">
+                <a:solidFill>
+                  <a:schemeClr val="tx1"/>
+                </a:solidFill>
+                <a:latin typeface="微软雅黑" panose="020B0503020204020204" pitchFamily="34" charset="-122"/>
+                <a:ea typeface="微软雅黑" panose="020B0503020204020204" pitchFamily="34" charset="-122"/>
+              </a:defRPr>
+            </a:lvl4pPr>
+            <a:lvl5pPr marL="2057400" indent="-228600" algn="l" defTabSz="0" rtl="0" eaLnBrk="0" fontAlgn="base" hangingPunct="0">
+              <a:spcBef>
+                <a:spcPct val="0"/>
+              </a:spcBef>
+              <a:spcAft>
+                <a:spcPct val="25000"/>
+              </a:spcAft>
+              <a:buClr>
+                <a:schemeClr val="tx2"/>
+              </a:buClr>
+              <a:buFont typeface="Arial" panose="020B0604020202020204" pitchFamily="34" charset="0"/>
+              <a:buChar char="–"/>
+              <a:defRPr sz="2000">
+                <a:solidFill>
+                  <a:schemeClr val="tx1"/>
+                </a:solidFill>
+                <a:latin typeface="+mn-lt"/>
+                <a:ea typeface="微软雅黑" panose="020B0503020204020204" pitchFamily="34" charset="-122"/>
+              </a:defRPr>
+            </a:lvl5pPr>
+            <a:lvl6pPr marL="2514600" indent="-228600" algn="l" defTabSz="0" rtl="0" eaLnBrk="0" fontAlgn="base" hangingPunct="0">
+              <a:spcBef>
+                <a:spcPct val="0"/>
+              </a:spcBef>
+              <a:spcAft>
+                <a:spcPct val="25000"/>
+              </a:spcAft>
+              <a:buClr>
+                <a:schemeClr val="tx2"/>
+              </a:buClr>
+              <a:buFont typeface="Arial" panose="020B0604020202020204" pitchFamily="34" charset="0"/>
+              <a:buChar char="–"/>
+              <a:defRPr>
+                <a:solidFill>
+                  <a:schemeClr val="tx1"/>
+                </a:solidFill>
+                <a:latin typeface="+mn-lt"/>
+              </a:defRPr>
+            </a:lvl6pPr>
+            <a:lvl7pPr marL="2971800" indent="-228600" algn="l" defTabSz="0" rtl="0" eaLnBrk="0" fontAlgn="base" hangingPunct="0">
+              <a:spcBef>
+                <a:spcPct val="0"/>
+              </a:spcBef>
+              <a:spcAft>
+                <a:spcPct val="25000"/>
+              </a:spcAft>
+              <a:buClr>
+                <a:schemeClr val="tx2"/>
+              </a:buClr>
+              <a:buFont typeface="Arial" panose="020B0604020202020204" pitchFamily="34" charset="0"/>
+              <a:buChar char="–"/>
+              <a:defRPr>
+                <a:solidFill>
+                  <a:schemeClr val="tx1"/>
+                </a:solidFill>
+                <a:latin typeface="+mn-lt"/>
+              </a:defRPr>
+            </a:lvl7pPr>
+            <a:lvl8pPr marL="3429000" indent="-228600" algn="l" defTabSz="0" rtl="0" eaLnBrk="0" fontAlgn="base" hangingPunct="0">
+              <a:spcBef>
+                <a:spcPct val="0"/>
+              </a:spcBef>
+              <a:spcAft>
+                <a:spcPct val="25000"/>
+              </a:spcAft>
+              <a:buClr>
+                <a:schemeClr val="tx2"/>
+              </a:buClr>
+              <a:buFont typeface="Arial" panose="020B0604020202020204" pitchFamily="34" charset="0"/>
+              <a:buChar char="–"/>
+              <a:defRPr>
+                <a:solidFill>
+                  <a:schemeClr val="tx1"/>
+                </a:solidFill>
+                <a:latin typeface="+mn-lt"/>
+              </a:defRPr>
+            </a:lvl8pPr>
+            <a:lvl9pPr marL="3886200" indent="-228600" algn="l" defTabSz="0" rtl="0" eaLnBrk="0" fontAlgn="base" hangingPunct="0">
+              <a:spcBef>
+                <a:spcPct val="0"/>
+              </a:spcBef>
+              <a:spcAft>
+                <a:spcPct val="25000"/>
+              </a:spcAft>
+              <a:buClr>
+                <a:schemeClr val="tx2"/>
+              </a:buClr>
+              <a:buFont typeface="Arial" panose="020B0604020202020204" pitchFamily="34" charset="0"/>
+              <a:buChar char="–"/>
+              <a:defRPr>
+                <a:solidFill>
+                  <a:schemeClr val="tx1"/>
+                </a:solidFill>
+                <a:latin typeface="+mn-lt"/>
+              </a:defRPr>
+            </a:lvl9pPr>
+          </a:lstStyle>
+          <a:p>
+            <a:r>
+              <a:rPr lang="zh-CN" dirty="0" smtClean="0"/>
+              <a:t>内容刚要</a:t>
+            </a:r>
+            <a:endParaRPr lang="zh-CN" dirty="0" smtClean="0"/>
+          </a:p>
+        </p:txBody>
+      </p:sp>
+      <p:sp>
+        <p:nvSpPr>
+          <p:cNvPr id="4" name="AutoShape 6"/>
+          <p:cNvSpPr>
+            <a:spLocks noChangeArrowheads="1"/>
+          </p:cNvSpPr>
+          <p:nvPr/>
+        </p:nvSpPr>
+        <p:spPr bwMode="auto">
+          <a:xfrm>
+            <a:off x="2739708" y="1261111"/>
+            <a:ext cx="6711950" cy="4214813"/>
+          </a:xfrm>
+          <a:prstGeom prst="roundRect">
+            <a:avLst>
+              <a:gd name="adj" fmla="val 16667"/>
+            </a:avLst>
+          </a:prstGeom>
+          <a:noFill/>
+          <a:ln w="28575">
+            <a:solidFill>
+              <a:srgbClr val="C0C0C0"/>
+            </a:solidFill>
+            <a:prstDash val="sysDot"/>
+            <a:round/>
+          </a:ln>
+          <a:extLst>
+            <a:ext uri="{909E8E84-426E-40DD-AFC4-6F175D3DCCD1}">
+              <a14:hiddenFill xmlns:a14="http://schemas.microsoft.com/office/drawing/2010/main">
+                <a:solidFill>
+                  <a:srgbClr val="FFFFFF"/>
+                </a:solidFill>
+              </a14:hiddenFill>
+            </a:ext>
+          </a:extLst>
+        </p:spPr>
+        <p:txBody>
+          <a:bodyPr wrap="none" anchor="ctr"/>
+          <a:lstStyle>
+            <a:lvl1pPr marL="457200" indent="-457200">
+              <a:defRPr sz="3200">
+                <a:solidFill>
+                  <a:schemeClr val="tx1"/>
+                </a:solidFill>
+                <a:latin typeface="Arial" panose="020B0604020202020204" pitchFamily="34" charset="0"/>
+                <a:ea typeface="微软雅黑" panose="020B0503020204020204" pitchFamily="34" charset="-122"/>
+              </a:defRPr>
+            </a:lvl1pPr>
+            <a:lvl2pPr marL="742950" indent="-285750">
+              <a:defRPr sz="3200">
+                <a:solidFill>
+                  <a:schemeClr val="tx1"/>
+                </a:solidFill>
+                <a:latin typeface="Arial" panose="020B0604020202020204" pitchFamily="34" charset="0"/>
+                <a:ea typeface="微软雅黑" panose="020B0503020204020204" pitchFamily="34" charset="-122"/>
+              </a:defRPr>
+            </a:lvl2pPr>
+            <a:lvl3pPr marL="1143000" indent="-228600">
+              <a:defRPr sz="3200">
+                <a:solidFill>
+                  <a:schemeClr val="tx1"/>
+                </a:solidFill>
+                <a:latin typeface="Arial" panose="020B0604020202020204" pitchFamily="34" charset="0"/>
+                <a:ea typeface="微软雅黑" panose="020B0503020204020204" pitchFamily="34" charset="-122"/>
+              </a:defRPr>
+            </a:lvl3pPr>
+            <a:lvl4pPr marL="1600200" indent="-228600">
+              <a:defRPr sz="3200">
+                <a:solidFill>
+                  <a:schemeClr val="tx1"/>
+                </a:solidFill>
+                <a:latin typeface="Arial" panose="020B0604020202020204" pitchFamily="34" charset="0"/>
+                <a:ea typeface="微软雅黑" panose="020B0503020204020204" pitchFamily="34" charset="-122"/>
+              </a:defRPr>
+            </a:lvl4pPr>
+            <a:lvl5pPr marL="2057400" indent="-228600">
+              <a:defRPr sz="3200">
+                <a:solidFill>
+                  <a:schemeClr val="tx1"/>
+                </a:solidFill>
+                <a:latin typeface="Arial" panose="020B0604020202020204" pitchFamily="34" charset="0"/>
+                <a:ea typeface="微软雅黑" panose="020B0503020204020204" pitchFamily="34" charset="-122"/>
+              </a:defRPr>
+            </a:lvl5pPr>
+            <a:lvl6pPr marL="2514600" indent="-228600" eaLnBrk="0" fontAlgn="base" hangingPunct="0">
+              <a:spcBef>
+                <a:spcPct val="0"/>
+              </a:spcBef>
+              <a:spcAft>
+                <a:spcPct val="0"/>
+              </a:spcAft>
+              <a:defRPr sz="3200">
+                <a:solidFill>
+                  <a:schemeClr val="tx1"/>
+                </a:solidFill>
+                <a:latin typeface="Arial" panose="020B0604020202020204" pitchFamily="34" charset="0"/>
+                <a:ea typeface="微软雅黑" panose="020B0503020204020204" pitchFamily="34" charset="-122"/>
+              </a:defRPr>
+            </a:lvl6pPr>
+            <a:lvl7pPr marL="2971800" indent="-228600" eaLnBrk="0" fontAlgn="base" hangingPunct="0">
+              <a:spcBef>
+                <a:spcPct val="0"/>
+              </a:spcBef>
+              <a:spcAft>
+                <a:spcPct val="0"/>
+              </a:spcAft>
+              <a:defRPr sz="3200">
+                <a:solidFill>
+                  <a:schemeClr val="tx1"/>
+                </a:solidFill>
+                <a:latin typeface="Arial" panose="020B0604020202020204" pitchFamily="34" charset="0"/>
+                <a:ea typeface="微软雅黑" panose="020B0503020204020204" pitchFamily="34" charset="-122"/>
+              </a:defRPr>
+            </a:lvl7pPr>
+            <a:lvl8pPr marL="3429000" indent="-228600" eaLnBrk="0" fontAlgn="base" hangingPunct="0">
+              <a:spcBef>
+                <a:spcPct val="0"/>
+              </a:spcBef>
+              <a:spcAft>
+                <a:spcPct val="0"/>
+              </a:spcAft>
+              <a:defRPr sz="3200">
+                <a:solidFill>
+                  <a:schemeClr val="tx1"/>
+                </a:solidFill>
+                <a:latin typeface="Arial" panose="020B0604020202020204" pitchFamily="34" charset="0"/>
+                <a:ea typeface="微软雅黑" panose="020B0503020204020204" pitchFamily="34" charset="-122"/>
+              </a:defRPr>
+            </a:lvl8pPr>
+            <a:lvl9pPr marL="3886200" indent="-228600" eaLnBrk="0" fontAlgn="base" hangingPunct="0">
+              <a:spcBef>
+                <a:spcPct val="0"/>
+              </a:spcBef>
+              <a:spcAft>
+                <a:spcPct val="0"/>
+              </a:spcAft>
+              <a:defRPr sz="3200">
+                <a:solidFill>
+                  <a:schemeClr val="tx1"/>
+                </a:solidFill>
+                <a:latin typeface="Arial" panose="020B0604020202020204" pitchFamily="34" charset="0"/>
+                <a:ea typeface="微软雅黑" panose="020B0503020204020204" pitchFamily="34" charset="-122"/>
+              </a:defRPr>
+            </a:lvl9pPr>
+          </a:lstStyle>
+          <a:p>
+            <a:pPr algn="l">
+              <a:lnSpc>
+                <a:spcPct val="150000"/>
+              </a:lnSpc>
+              <a:spcBef>
+                <a:spcPts val="1200"/>
+              </a:spcBef>
+              <a:spcAft>
+                <a:spcPts val="1200"/>
+              </a:spcAft>
+              <a:buClr>
+                <a:srgbClr val="92D050"/>
+              </a:buClr>
+              <a:buFont typeface="Wingdings" panose="05000000000000000000" pitchFamily="2" charset="2"/>
+              <a:buChar char="Ø"/>
+            </a:pPr>
+            <a:r>
+              <a:rPr lang="zh-CN" altLang="en-US" sz="2800" b="1">
+                <a:sym typeface="+mn-ea"/>
+              </a:rPr>
+              <a:t>Cocos Creator 动画系统</a:t>
+            </a:r>
+            <a:endParaRPr lang="zh-CN" altLang="en-US" sz="2800" b="1">
+              <a:solidFill>
+                <a:schemeClr val="tx1"/>
+              </a:solidFill>
+              <a:sym typeface="+mn-ea"/>
+            </a:endParaRPr>
+          </a:p>
+          <a:p>
+            <a:pPr algn="l">
+              <a:lnSpc>
+                <a:spcPct val="150000"/>
+              </a:lnSpc>
+              <a:spcBef>
+                <a:spcPts val="1200"/>
+              </a:spcBef>
+              <a:spcAft>
+                <a:spcPts val="1200"/>
+              </a:spcAft>
+              <a:buClr>
+                <a:srgbClr val="92D050"/>
+              </a:buClr>
+              <a:buFont typeface="Wingdings" panose="05000000000000000000" pitchFamily="2" charset="2"/>
+              <a:buChar char="Ø"/>
+            </a:pPr>
+            <a:r>
+              <a:rPr lang="zh-CN" altLang="en-US" sz="2800" b="1">
+                <a:solidFill>
+                  <a:schemeClr val="accent3"/>
+                </a:solidFill>
+                <a:sym typeface="+mn-ea"/>
+              </a:rPr>
+              <a:t>Cocos Creator 物理系统</a:t>
+            </a:r>
+            <a:endParaRPr lang="zh-CN" altLang="en-US" sz="2800" b="1">
+              <a:solidFill>
+                <a:schemeClr val="accent3"/>
+              </a:solidFill>
+              <a:sym typeface="+mn-ea"/>
+            </a:endParaRPr>
+          </a:p>
+        </p:txBody>
+      </p:sp>
+    </p:spTree>
+  </p:cSld>
+  <p:clrMapOvr>
+    <a:masterClrMapping/>
+  </p:clrMapOvr>
+  <p:timing>
+    <p:tnLst>
+      <p:par>
+        <p:cTn id="1" dur="indefinite" restart="never" nodeType="tmRoot"/>
+      </p:par>
+    </p:tnLst>
+  </p:timing>
+</p:sld>
+</file>
+
+<file path=ppt/slides/slide5.xml><?xml version="1.0" encoding="utf-8"?>
+<p:sld xmlns:a="http://schemas.openxmlformats.org/drawingml/2006/main" xmlns:r="http://schemas.openxmlformats.org/officeDocument/2006/relationships" xmlns:p="http://schemas.openxmlformats.org/presentationml/2006/main">
+  <p:cSld>
+    <p:spTree>
+      <p:nvGrpSpPr>
+        <p:cNvPr id="1" name=""/>
+        <p:cNvGrpSpPr/>
+        <p:nvPr/>
+      </p:nvGrpSpPr>
+      <p:grpSpPr>
+        <a:xfrm>
+          <a:off x="0" y="0"/>
+          <a:ext cx="0" cy="0"/>
+          <a:chOff x="0" y="0"/>
+          <a:chExt cx="0" cy="0"/>
+        </a:xfrm>
+      </p:grpSpPr>
+      <p:sp>
+        <p:nvSpPr>
+          <p:cNvPr id="5122" name="内容占位符 2"/>
+          <p:cNvSpPr>
+            <a:spLocks noGrp="1"/>
+          </p:cNvSpPr>
+          <p:nvPr>
+            <p:ph idx="1"/>
+          </p:nvPr>
+        </p:nvSpPr>
+        <p:spPr>
+          <a:xfrm>
+            <a:off x="896620" y="829945"/>
+            <a:ext cx="10385425" cy="5245100"/>
+          </a:xfrm>
+        </p:spPr>
+        <p:txBody>
+          <a:bodyPr/>
+          <a:lstStyle/>
+          <a:p>
+            <a:pPr>
+              <a:lnSpc>
+                <a:spcPct val="140000"/>
+              </a:lnSpc>
+              <a:spcBef>
+                <a:spcPts val="1000"/>
+              </a:spcBef>
+            </a:pPr>
+            <a:r>
+              <a:rPr lang="zh-CN" altLang="en-US" sz="2800">
+                <a:solidFill>
+                  <a:schemeClr val="tx1"/>
+                </a:solidFill>
+                <a:sym typeface="+mn-ea"/>
+              </a:rPr>
+              <a:t>碰撞系统</a:t>
+            </a:r>
+            <a:br>
+              <a:rPr lang="zh-CN" altLang="en-US" sz="2800">
+                <a:solidFill>
+                  <a:schemeClr val="tx1"/>
+                </a:solidFill>
+                <a:sym typeface="+mn-ea"/>
+              </a:rPr>
+            </a:br>
+            <a:r>
+              <a:rPr lang="en-US" altLang="zh-CN" sz="2400">
+                <a:solidFill>
+                  <a:schemeClr val="tx1"/>
+                </a:solidFill>
+                <a:sym typeface="+mn-ea"/>
+              </a:rPr>
+              <a:t>- </a:t>
+            </a:r>
+            <a:r>
+              <a:rPr lang="zh-CN" altLang="en-US" sz="2400">
+                <a:solidFill>
+                  <a:schemeClr val="tx1"/>
+                </a:solidFill>
+                <a:sym typeface="+mn-ea"/>
+              </a:rPr>
+              <a:t>编辑碰撞组件</a:t>
+            </a:r>
+            <a:br>
+              <a:rPr lang="zh-CN" altLang="en-US" sz="2400">
+                <a:solidFill>
+                  <a:schemeClr val="tx1"/>
+                </a:solidFill>
+                <a:sym typeface="+mn-ea"/>
+              </a:rPr>
+            </a:br>
+            <a:r>
+              <a:rPr lang="en-US" altLang="zh-CN" sz="2400">
+                <a:solidFill>
+                  <a:schemeClr val="tx1"/>
+                </a:solidFill>
+                <a:sym typeface="+mn-ea"/>
+              </a:rPr>
+              <a:t>- </a:t>
+            </a:r>
+            <a:r>
+              <a:rPr lang="zh-CN" altLang="en-US" sz="2400">
+                <a:solidFill>
+                  <a:schemeClr val="tx1"/>
+                </a:solidFill>
+                <a:sym typeface="+mn-ea"/>
+              </a:rPr>
+              <a:t>碰撞分组管理</a:t>
+            </a:r>
+            <a:br>
+              <a:rPr lang="zh-CN" altLang="en-US" sz="2400">
+                <a:solidFill>
+                  <a:schemeClr val="tx1"/>
+                </a:solidFill>
+                <a:sym typeface="+mn-ea"/>
+              </a:rPr>
+            </a:br>
+            <a:r>
+              <a:rPr lang="en-US" altLang="zh-CN" sz="2400">
+                <a:solidFill>
+                  <a:schemeClr val="tx1"/>
+                </a:solidFill>
+                <a:sym typeface="+mn-ea"/>
+              </a:rPr>
+              <a:t>- </a:t>
+            </a:r>
+            <a:r>
+              <a:rPr lang="zh-CN" altLang="en-US" sz="2400">
+                <a:solidFill>
+                  <a:schemeClr val="tx1"/>
+                </a:solidFill>
+                <a:sym typeface="+mn-ea"/>
+              </a:rPr>
+              <a:t>碰撞系统脚本控制</a:t>
+            </a:r>
+            <a:br>
+              <a:rPr lang="zh-CN" altLang="en-US" sz="2400">
+                <a:solidFill>
+                  <a:schemeClr val="tx1"/>
+                </a:solidFill>
+                <a:sym typeface="+mn-ea"/>
+              </a:rPr>
+            </a:br>
+            <a:r>
+              <a:rPr lang="en-US" altLang="zh-CN" sz="2400">
+                <a:solidFill>
+                  <a:schemeClr val="tx1"/>
+                </a:solidFill>
+                <a:sym typeface="+mn-ea"/>
+              </a:rPr>
+              <a:t>- Collider</a:t>
+            </a:r>
+            <a:r>
+              <a:rPr lang="zh-CN" altLang="en-US" sz="2400">
+                <a:solidFill>
+                  <a:schemeClr val="tx1"/>
+                </a:solidFill>
+                <a:sym typeface="+mn-ea"/>
+              </a:rPr>
+              <a:t>组件参考</a:t>
+            </a:r>
+            <a:endParaRPr lang="zh-CN" altLang="en-US" sz="2800">
+              <a:solidFill>
+                <a:schemeClr val="tx1"/>
+              </a:solidFill>
+              <a:sym typeface="+mn-ea"/>
+            </a:endParaRPr>
+          </a:p>
+          <a:p>
+            <a:pPr>
+              <a:lnSpc>
+                <a:spcPct val="140000"/>
+              </a:lnSpc>
+              <a:spcBef>
+                <a:spcPts val="1000"/>
+              </a:spcBef>
+            </a:pPr>
+            <a:r>
+              <a:rPr lang="en-US" altLang="zh-CN" sz="2800">
+                <a:solidFill>
+                  <a:schemeClr val="tx1"/>
+                </a:solidFill>
+                <a:sym typeface="+mn-ea"/>
+              </a:rPr>
+              <a:t>Box2d</a:t>
+            </a:r>
+            <a:r>
+              <a:rPr lang="zh-CN" altLang="en-US" sz="2800">
+                <a:solidFill>
+                  <a:schemeClr val="tx1"/>
+                </a:solidFill>
+                <a:sym typeface="+mn-ea"/>
+              </a:rPr>
+              <a:t>物理引擎</a:t>
+            </a:r>
+            <a:br>
+              <a:rPr lang="zh-CN" altLang="en-US" sz="2800">
+                <a:solidFill>
+                  <a:schemeClr val="tx1"/>
+                </a:solidFill>
+                <a:sym typeface="+mn-ea"/>
+              </a:rPr>
+            </a:br>
+            <a:r>
+              <a:rPr lang="en-US" altLang="zh-CN" sz="2400">
+                <a:solidFill>
+                  <a:schemeClr val="tx1"/>
+                </a:solidFill>
+                <a:sym typeface="+mn-ea"/>
+              </a:rPr>
+              <a:t>- </a:t>
+            </a:r>
+            <a:r>
+              <a:rPr lang="zh-CN" altLang="en-US" sz="2400">
+                <a:solidFill>
+                  <a:schemeClr val="tx1"/>
+                </a:solidFill>
+                <a:sym typeface="+mn-ea"/>
+              </a:rPr>
+              <a:t>刚体组件</a:t>
+            </a:r>
+            <a:br>
+              <a:rPr lang="zh-CN" altLang="en-US" sz="2400">
+                <a:solidFill>
+                  <a:schemeClr val="tx1"/>
+                </a:solidFill>
+                <a:sym typeface="+mn-ea"/>
+              </a:rPr>
+            </a:br>
+            <a:r>
+              <a:rPr lang="en-US" altLang="zh-CN" sz="2400">
+                <a:solidFill>
+                  <a:schemeClr val="tx1"/>
+                </a:solidFill>
+                <a:sym typeface="+mn-ea"/>
+              </a:rPr>
+              <a:t>- </a:t>
+            </a:r>
+            <a:r>
+              <a:rPr lang="zh-CN" altLang="en-US" sz="2400">
+                <a:solidFill>
+                  <a:schemeClr val="tx1"/>
+                </a:solidFill>
+                <a:sym typeface="+mn-ea"/>
+              </a:rPr>
+              <a:t>碰撞组件</a:t>
+            </a:r>
+            <a:br>
+              <a:rPr lang="zh-CN" altLang="en-US" sz="2400">
+                <a:solidFill>
+                  <a:schemeClr val="tx1"/>
+                </a:solidFill>
+                <a:sym typeface="+mn-ea"/>
+              </a:rPr>
+            </a:br>
+            <a:r>
+              <a:rPr lang="en-US" altLang="zh-CN" sz="2400">
+                <a:solidFill>
+                  <a:schemeClr val="tx1"/>
+                </a:solidFill>
+                <a:sym typeface="+mn-ea"/>
+              </a:rPr>
+              <a:t>- </a:t>
+            </a:r>
+            <a:r>
+              <a:rPr lang="zh-CN" altLang="en-US" sz="2400">
+                <a:solidFill>
+                  <a:schemeClr val="tx1"/>
+                </a:solidFill>
+                <a:sym typeface="+mn-ea"/>
+              </a:rPr>
+              <a:t>碰撞回调</a:t>
+            </a:r>
+            <a:endParaRPr lang="zh-CN" altLang="en-US" sz="2400">
+              <a:solidFill>
+                <a:schemeClr val="tx1"/>
+              </a:solidFill>
+              <a:sym typeface="+mn-ea"/>
+            </a:endParaRPr>
+          </a:p>
+        </p:txBody>
+      </p:sp>
+      <p:sp>
+        <p:nvSpPr>
+          <p:cNvPr id="2" name="内容占位符 1"/>
+          <p:cNvSpPr>
+            <a:spLocks noGrp="1"/>
+          </p:cNvSpPr>
+          <p:nvPr>
+            <p:ph sz="quarter" idx="11"/>
+          </p:nvPr>
+        </p:nvSpPr>
+        <p:spPr>
+          <a:xfrm>
+            <a:off x="947420" y="236855"/>
+            <a:ext cx="8415655" cy="490220"/>
+          </a:xfrm>
+        </p:spPr>
+        <p:txBody>
+          <a:bodyPr/>
+          <a:p>
+            <a:r>
+              <a:rPr lang="zh-CN" altLang="en-US" dirty="0">
+                <a:sym typeface="+mn-ea"/>
+              </a:rPr>
+              <a:t>Cocos Creator 物理系统</a:t>
+            </a:r>
+            <a:endParaRPr kumimoji="0" lang="zh-CN" altLang="en-US" dirty="0"/>
+          </a:p>
+        </p:txBody>
+      </p:sp>
+      <p:sp>
+        <p:nvSpPr>
+          <p:cNvPr id="3" name="文本框 2"/>
+          <p:cNvSpPr txBox="1"/>
+          <p:nvPr/>
+        </p:nvSpPr>
+        <p:spPr>
+          <a:xfrm>
+            <a:off x="4994910" y="6075045"/>
+            <a:ext cx="7028815" cy="398780"/>
+          </a:xfrm>
+          <a:prstGeom prst="rect">
+            <a:avLst/>
+          </a:prstGeom>
+          <a:noFill/>
+        </p:spPr>
+        <p:txBody>
+          <a:bodyPr wrap="square" rtlCol="0">
+            <a:spAutoFit/>
+          </a:bodyPr>
+          <a:p>
+            <a:r>
+              <a:rPr lang="zh-CN" altLang="en-US" sz="2000"/>
+              <a:t>https://docs.cocos.com/creator/manual/zh/physics/</a:t>
+            </a:r>
+            <a:endParaRPr lang="zh-CN" altLang="en-US" sz="2000"/>
+          </a:p>
+        </p:txBody>
+      </p:sp>
+    </p:spTree>
+  </p:cSld>
+  <p:clrMapOvr>
+    <a:masterClrMapping/>
+  </p:clrMapOvr>
+  <p:timing>
+    <p:tnLst>
+      <p:par>
+        <p:cTn id="1" dur="indefinite" restart="never" nodeType="tmRoot">
+          <p:childTnLst>
+            <p:seq concurrent="1" nextAc="seek">
+              <p:cTn id="2" dur="indefinite" nodeType="mainSeq">
+                <p:childTnLst>
+                  <p:par>
+                    <p:cTn id="3" fill="hold">
+                      <p:stCondLst>
+                        <p:cond delay="indefinite"/>
+                      </p:stCondLst>
+                      <p:childTnLst>
+                        <p:par>
+                          <p:cTn id="4" fill="hold">
+                            <p:stCondLst>
+                              <p:cond delay="0"/>
+                            </p:stCondLst>
+                            <p:childTnLst>
+                              <p:par>
+                                <p:cTn id="5" presetID="2" presetClass="entr" presetSubtype="4" fill="hold" nodeType="clickEffect">
+                                  <p:stCondLst>
+                                    <p:cond delay="0"/>
+                                  </p:stCondLst>
+                                  <p:childTnLst>
+                                    <p:set>
+                                      <p:cBhvr>
+                                        <p:cTn id="6" dur="1" fill="hold">
+                                          <p:stCondLst>
+                                            <p:cond delay="0"/>
+                                          </p:stCondLst>
+                                        </p:cTn>
+                                        <p:tgtEl>
+                                          <p:spTgt spid="5122">
+                                            <p:txEl>
+                                              <p:pRg st="0" end="0"/>
+                                            </p:txEl>
+                                          </p:spTgt>
+                                        </p:tgtEl>
+                                        <p:attrNameLst>
+                                          <p:attrName>style.visibility</p:attrName>
+                                        </p:attrNameLst>
+                                      </p:cBhvr>
+                                      <p:to>
+                                        <p:strVal val="visible"/>
+                                      </p:to>
+                                    </p:set>
+                                    <p:anim calcmode="lin" valueType="num">
+                                      <p:cBhvr additive="base">
+                                        <p:cTn id="7" dur="500" fill="hold"/>
+                                        <p:tgtEl>
+                                          <p:spTgt spid="5122">
+                                            <p:txEl>
+                                              <p:pRg st="0" end="0"/>
+                                            </p:txEl>
+                                          </p:spTgt>
+                                        </p:tgtEl>
+                                        <p:attrNameLst>
+                                          <p:attrName>ppt_x</p:attrName>
+                                        </p:attrNameLst>
+                                      </p:cBhvr>
+                                      <p:tavLst>
+                                        <p:tav tm="0">
+                                          <p:val>
+                                            <p:strVal val="#ppt_x"/>
+                                          </p:val>
+                                        </p:tav>
+                                        <p:tav tm="100000">
+                                          <p:val>
+                                            <p:strVal val="#ppt_x"/>
+                                          </p:val>
+                                        </p:tav>
+                                      </p:tavLst>
+                                    </p:anim>
+                                    <p:anim calcmode="lin" valueType="num">
+                                      <p:cBhvr additive="base">
+                                        <p:cTn id="8" dur="500" fill="hold"/>
+                                        <p:tgtEl>
+                                          <p:spTgt spid="5122">
+                                            <p:txEl>
+                                              <p:pRg st="0" end="0"/>
+                                            </p:txEl>
+                                          </p:spTgt>
+                                        </p:tgtEl>
+                                        <p:attrNameLst>
+                                          <p:attrName>ppt_y</p:attrName>
+                                        </p:attrNameLst>
+                                      </p:cBhvr>
+                                      <p:tavLst>
+                                        <p:tav tm="0">
+                                          <p:val>
+                                            <p:strVal val="1+#ppt_h/2"/>
+                                          </p:val>
+                                        </p:tav>
+                                        <p:tav tm="100000">
+                                          <p:val>
+                                            <p:strVal val="#ppt_y"/>
+                                          </p:val>
+                                        </p:tav>
+                                      </p:tavLst>
+                                    </p:anim>
+                                  </p:childTnLst>
+                                </p:cTn>
+                              </p:par>
+                            </p:childTnLst>
+                          </p:cTn>
+                        </p:par>
+                      </p:childTnLst>
+                    </p:cTn>
+                  </p:par>
+                  <p:par>
+                    <p:cTn id="9" fill="hold">
+                      <p:stCondLst>
+                        <p:cond delay="indefinite"/>
+                      </p:stCondLst>
+                      <p:childTnLst>
+                        <p:par>
+                          <p:cTn id="10" fill="hold">
+                            <p:stCondLst>
+                              <p:cond delay="0"/>
+                            </p:stCondLst>
+                            <p:childTnLst>
+                              <p:par>
+                                <p:cTn id="11" presetID="2" presetClass="entr" presetSubtype="4" fill="hold" nodeType="clickEffect">
+                                  <p:stCondLst>
+                                    <p:cond delay="0"/>
+                                  </p:stCondLst>
+                                  <p:childTnLst>
+                                    <p:set>
+                                      <p:cBhvr>
+                                        <p:cTn id="12" dur="1" fill="hold">
+                                          <p:stCondLst>
+                                            <p:cond delay="0"/>
+                                          </p:stCondLst>
+                                        </p:cTn>
+                                        <p:tgtEl>
+                                          <p:spTgt spid="5122">
+                                            <p:txEl>
+                                              <p:pRg st="1" end="1"/>
+                                            </p:txEl>
+                                          </p:spTgt>
+                                        </p:tgtEl>
+                                        <p:attrNameLst>
+                                          <p:attrName>style.visibility</p:attrName>
+                                        </p:attrNameLst>
+                                      </p:cBhvr>
+                                      <p:to>
+                                        <p:strVal val="visible"/>
+                                      </p:to>
+                                    </p:set>
+                                    <p:anim calcmode="lin" valueType="num">
+                                      <p:cBhvr additive="base">
+                                        <p:cTn id="13" dur="500" fill="hold"/>
+                                        <p:tgtEl>
+                                          <p:spTgt spid="5122">
+                                            <p:txEl>
+                                              <p:pRg st="1" end="1"/>
+                                            </p:txEl>
+                                          </p:spTgt>
+                                        </p:tgtEl>
+                                        <p:attrNameLst>
+                                          <p:attrName>ppt_x</p:attrName>
+                                        </p:attrNameLst>
+                                      </p:cBhvr>
+                                      <p:tavLst>
+                                        <p:tav tm="0">
+                                          <p:val>
+                                            <p:strVal val="#ppt_x"/>
+                                          </p:val>
+                                        </p:tav>
+                                        <p:tav tm="100000">
+                                          <p:val>
+                                            <p:strVal val="#ppt_x"/>
+                                          </p:val>
+                                        </p:tav>
+                                      </p:tavLst>
+                                    </p:anim>
+                                    <p:anim calcmode="lin" valueType="num">
+                                      <p:cBhvr additive="base">
+                                        <p:cTn id="14" dur="500" fill="hold"/>
+                                        <p:tgtEl>
+                                          <p:spTgt spid="5122">
+                                            <p:txEl>
+                                              <p:pRg st="1" end="1"/>
+                                            </p:txEl>
+                                          </p:spTgt>
+                                        </p:tgtEl>
+                                        <p:attrNameLst>
+                                          <p:attrName>ppt_y</p:attrName>
+                                        </p:attrNameLst>
+                                      </p:cBhvr>
+                                      <p:tavLst>
+                                        <p:tav tm="0">
+                                          <p:val>
+                                            <p:strVal val="1+#ppt_h/2"/>
+                                          </p:val>
+                                        </p:tav>
+                                        <p:tav tm="100000">
+                                          <p:val>
+                                            <p:strVal val="#ppt_y"/>
+                                          </p:val>
+                                        </p:tav>
+                                      </p:tavLst>
+                                    </p:anim>
+                                  </p:childTnLst>
+                                </p:cTn>
+                              </p:par>
+                            </p:childTnLst>
+                          </p:cTn>
+                        </p:par>
+                      </p:childTnLst>
+                    </p:cTn>
+                  </p:par>
+                  <p:par>
+                    <p:cTn id="15" fill="hold">
+                      <p:stCondLst>
+                        <p:cond delay="indefinite"/>
+                      </p:stCondLst>
+                      <p:childTnLst>
+                        <p:par>
+                          <p:cTn id="16" fill="hold">
+                            <p:stCondLst>
+                              <p:cond delay="0"/>
+                            </p:stCondLst>
+                            <p:childTnLst>
+                              <p:par>
+                                <p:cTn id="17" presetID="2" presetClass="entr" presetSubtype="4" fill="hold" grpId="0" nodeType="clickEffect">
+                                  <p:stCondLst>
+                                    <p:cond delay="0"/>
+                                  </p:stCondLst>
+                                  <p:childTnLst>
+                                    <p:set>
+                                      <p:cBhvr>
+                                        <p:cTn id="18" dur="1" fill="hold">
+                                          <p:stCondLst>
+                                            <p:cond delay="0"/>
+                                          </p:stCondLst>
+                                        </p:cTn>
+                                        <p:tgtEl>
+                                          <p:spTgt spid="3"/>
+                                        </p:tgtEl>
+                                        <p:attrNameLst>
+                                          <p:attrName>style.visibility</p:attrName>
+                                        </p:attrNameLst>
+                                      </p:cBhvr>
+                                      <p:to>
+                                        <p:strVal val="visible"/>
+                                      </p:to>
+                                    </p:set>
+                                    <p:anim calcmode="lin" valueType="num">
+                                      <p:cBhvr additive="base">
+                                        <p:cTn id="19" dur="500" fill="hold"/>
+                                        <p:tgtEl>
+                                          <p:spTgt spid="3"/>
+                                        </p:tgtEl>
+                                        <p:attrNameLst>
+                                          <p:attrName>ppt_x</p:attrName>
+                                        </p:attrNameLst>
+                                      </p:cBhvr>
+                                      <p:tavLst>
+                                        <p:tav tm="0">
+                                          <p:val>
+                                            <p:strVal val="#ppt_x"/>
+                                          </p:val>
+                                        </p:tav>
+                                        <p:tav tm="100000">
+                                          <p:val>
+                                            <p:strVal val="#ppt_x"/>
+                                          </p:val>
+                                        </p:tav>
+                                      </p:tavLst>
+                                    </p:anim>
+                                    <p:anim calcmode="lin" valueType="num">
+                                      <p:cBhvr additive="base">
+                                        <p:cTn id="20" dur="500" fill="hold"/>
+                                        <p:tgtEl>
+                                          <p:spTgt spid="3"/>
+                                        </p:tgtEl>
+                                        <p:attrNameLst>
+                                          <p:attrName>ppt_y</p:attrName>
+                                        </p:attrNameLst>
+                                      </p:cBhvr>
+                                      <p:tavLst>
+                                        <p:tav tm="0">
+                                          <p:val>
+                                            <p:strVal val="1+#ppt_h/2"/>
+                                          </p:val>
+                                        </p:tav>
+                                        <p:tav tm="100000">
+                                          <p:val>
+                                            <p:strVal val="#ppt_y"/>
+                                          </p:val>
+                                        </p:tav>
+                                      </p:tavLst>
+                                    </p:anim>
+                                  </p:childTnLst>
+                                </p:cTn>
+                              </p:par>
+                            </p:childTnLst>
+                          </p:cTn>
+                        </p:par>
+                      </p:childTnLst>
+                    </p:cTn>
+                  </p:par>
+                </p:childTnLst>
+              </p:cTn>
+              <p:prevCondLst>
+                <p:cond evt="onPrev" delay="0">
+                  <p:tgtEl>
+                    <p:sldTgt/>
+                  </p:tgtEl>
+                </p:cond>
+              </p:prevCondLst>
+              <p:nextCondLst>
+                <p:cond evt="onNext" delay="0">
+                  <p:tgtEl>
+                    <p:sldTgt/>
+                  </p:tgtEl>
+                </p:cond>
+              </p:nextCondLst>
+            </p:seq>
+          </p:childTnLst>
+        </p:cTn>
+      </p:par>
+    </p:tnLst>
+    <p:bldLst>
+      <p:bldP spid="3" grpId="0"/>
+    </p:bldLst>
+  </p:timing>
+</p:sld>
+</file>
+
+<file path=ppt/slides/slide6.xml><?xml version="1.0" encoding="utf-8"?>
 <p:sld xmlns:a="http://schemas.openxmlformats.org/drawingml/2006/main" xmlns:r="http://schemas.openxmlformats.org/officeDocument/2006/relationships" xmlns:p="http://schemas.openxmlformats.org/presentationml/2006/main">
   <p:cSld>
     <p:spTree>
